--- a/Vizsgaremek.pptx
+++ b/Vizsgaremek.pptx
@@ -111,6 +111,11 @@
       </a:defRPr>
     </a:lvl9pPr>
   </p:defaultTextStyle>
+  <p:extLst>
+    <p:ext uri="{EFAFB233-063F-42B5-8137-9DF3F51BA10A}">
+      <p15:sldGuideLst xmlns:p15="http://schemas.microsoft.com/office/powerpoint/2012/main"/>
+    </p:ext>
+  </p:extLst>
 </p:presentation>
 </file>
 
@@ -196,7 +201,7 @@
           <a:p>
             <a:fld id="{78E3AA0A-9FE8-4C07-B1C8-46F315EC6882}" type="datetimeFigureOut">
               <a:rPr lang="hu-HU" smtClean="0"/>
-              <a:t>2021. 08. 15.</a:t>
+              <a:t>2021. 09. 06.</a:t>
             </a:fld>
             <a:endParaRPr lang="hu-HU"/>
           </a:p>
@@ -610,7 +615,7 @@
           <a:p>
             <a:fld id="{A697E525-5514-4E20-B9B0-6C7CF3A75ABB}" type="datetime1">
               <a:rPr lang="hu-HU" smtClean="0"/>
-              <a:t>2021. 08. 15.</a:t>
+              <a:t>2021. 09. 06.</a:t>
             </a:fld>
             <a:endParaRPr lang="hu-HU"/>
           </a:p>
@@ -808,7 +813,7 @@
           <a:p>
             <a:fld id="{8F4D38BC-12B5-4551-A510-D4CA9403761D}" type="datetime1">
               <a:rPr lang="hu-HU" smtClean="0"/>
-              <a:t>2021. 08. 15.</a:t>
+              <a:t>2021. 09. 06.</a:t>
             </a:fld>
             <a:endParaRPr lang="hu-HU"/>
           </a:p>
@@ -1016,7 +1021,7 @@
           <a:p>
             <a:fld id="{004787D6-5E0A-4F93-B42E-C140E6A9BD73}" type="datetime1">
               <a:rPr lang="hu-HU" smtClean="0"/>
-              <a:t>2021. 08. 15.</a:t>
+              <a:t>2021. 09. 06.</a:t>
             </a:fld>
             <a:endParaRPr lang="hu-HU"/>
           </a:p>
@@ -1214,7 +1219,7 @@
           <a:p>
             <a:fld id="{DDA94169-3F1A-4D97-AF36-328CC9AD0129}" type="datetime1">
               <a:rPr lang="hu-HU" smtClean="0"/>
-              <a:t>2021. 08. 15.</a:t>
+              <a:t>2021. 09. 06.</a:t>
             </a:fld>
             <a:endParaRPr lang="hu-HU"/>
           </a:p>
@@ -1489,7 +1494,7 @@
           <a:p>
             <a:fld id="{FFC8F555-4300-4257-B54A-0A3092968C52}" type="datetime1">
               <a:rPr lang="hu-HU" smtClean="0"/>
-              <a:t>2021. 08. 15.</a:t>
+              <a:t>2021. 09. 06.</a:t>
             </a:fld>
             <a:endParaRPr lang="hu-HU"/>
           </a:p>
@@ -1754,7 +1759,7 @@
           <a:p>
             <a:fld id="{76FEE912-7013-45E1-A294-96597857683C}" type="datetime1">
               <a:rPr lang="hu-HU" smtClean="0"/>
-              <a:t>2021. 08. 15.</a:t>
+              <a:t>2021. 09. 06.</a:t>
             </a:fld>
             <a:endParaRPr lang="hu-HU"/>
           </a:p>
@@ -2166,7 +2171,7 @@
           <a:p>
             <a:fld id="{D6423C04-FA52-40B6-A561-E09F62D5B537}" type="datetime1">
               <a:rPr lang="hu-HU" smtClean="0"/>
-              <a:t>2021. 08. 15.</a:t>
+              <a:t>2021. 09. 06.</a:t>
             </a:fld>
             <a:endParaRPr lang="hu-HU"/>
           </a:p>
@@ -2307,7 +2312,7 @@
           <a:p>
             <a:fld id="{66873FCC-6829-4213-9CF3-521CEB780C7E}" type="datetime1">
               <a:rPr lang="hu-HU" smtClean="0"/>
-              <a:t>2021. 08. 15.</a:t>
+              <a:t>2021. 09. 06.</a:t>
             </a:fld>
             <a:endParaRPr lang="hu-HU"/>
           </a:p>
@@ -2420,7 +2425,7 @@
           <a:p>
             <a:fld id="{50D00AEE-B4EB-4C39-8D46-19C15D2BE856}" type="datetime1">
               <a:rPr lang="hu-HU" smtClean="0"/>
-              <a:t>2021. 08. 15.</a:t>
+              <a:t>2021. 09. 06.</a:t>
             </a:fld>
             <a:endParaRPr lang="hu-HU"/>
           </a:p>
@@ -2731,7 +2736,7 @@
           <a:p>
             <a:fld id="{2A37D0AC-7B13-4DC2-B2AC-9947DDB6F93C}" type="datetime1">
               <a:rPr lang="hu-HU" smtClean="0"/>
-              <a:t>2021. 08. 15.</a:t>
+              <a:t>2021. 09. 06.</a:t>
             </a:fld>
             <a:endParaRPr lang="hu-HU"/>
           </a:p>
@@ -3019,7 +3024,7 @@
           <a:p>
             <a:fld id="{3C616B31-DD72-44EC-BC67-0A8691958AAD}" type="datetime1">
               <a:rPr lang="hu-HU" smtClean="0"/>
-              <a:t>2021. 08. 15.</a:t>
+              <a:t>2021. 09. 06.</a:t>
             </a:fld>
             <a:endParaRPr lang="hu-HU"/>
           </a:p>
@@ -3263,7 +3268,7 @@
           <a:p>
             <a:fld id="{1E198FD5-4720-461E-A617-481B002688E7}" type="datetime1">
               <a:rPr lang="hu-HU" smtClean="0"/>
-              <a:t>2021. 08. 15.</a:t>
+              <a:t>2021. 09. 06.</a:t>
             </a:fld>
             <a:endParaRPr lang="hu-HU"/>
           </a:p>
@@ -3902,7 +3907,7 @@
         <p:spPr>
           <a:xfrm>
             <a:off x="0" y="1825625"/>
-            <a:ext cx="6019800" cy="4351338"/>
+            <a:ext cx="6172200" cy="5032376"/>
           </a:xfrm>
         </p:spPr>
       </p:pic>
@@ -3922,14 +3927,14 @@
             <p:ph sz="half" idx="2"/>
             <p:extLst>
               <p:ext uri="{D42A27DB-BD31-4B8C-83A1-F6EECF244321}">
-                <p14:modId xmlns:p14="http://schemas.microsoft.com/office/powerpoint/2010/main" val="1514128187"/>
+                <p14:modId xmlns:p14="http://schemas.microsoft.com/office/powerpoint/2010/main" val="2082182476"/>
               </p:ext>
             </p:extLst>
           </p:nvPr>
         </p:nvGraphicFramePr>
         <p:xfrm>
-          <a:off x="6172200" y="1825625"/>
-          <a:ext cx="6019800" cy="4362359"/>
+          <a:off x="6172200" y="1825627"/>
+          <a:ext cx="6019800" cy="5032371"/>
         </p:xfrm>
         <a:graphic>
           <a:graphicData uri="http://schemas.openxmlformats.org/drawingml/2006/table">
@@ -3945,14 +3950,14 @@
                     </a:ext>
                   </a:extLst>
                 </a:gridCol>
-                <a:gridCol w="2067339">
+                <a:gridCol w="2014330">
                   <a:extLst>
                     <a:ext uri="{9D8B030D-6E8A-4147-A177-3AD203B41FA5}">
                       <a16:colId xmlns:a16="http://schemas.microsoft.com/office/drawing/2014/main" val="1331768453"/>
                     </a:ext>
                   </a:extLst>
                 </a:gridCol>
-                <a:gridCol w="1616765">
+                <a:gridCol w="1669774">
                   <a:extLst>
                     <a:ext uri="{9D8B030D-6E8A-4147-A177-3AD203B41FA5}">
                       <a16:colId xmlns:a16="http://schemas.microsoft.com/office/drawing/2014/main" val="402770939"/>
@@ -3960,7 +3965,101 @@
                   </a:extLst>
                 </a:gridCol>
               </a:tblGrid>
-              <a:tr h="362612">
+              <a:tr h="386203">
+                <a:tc>
+                  <a:txBody>
+                    <a:bodyPr/>
+                    <a:lstStyle/>
+                    <a:p>
+                      <a:pPr algn="ctr" fontAlgn="b"/>
+                      <a:r>
+                        <a:rPr lang="hu-HU" sz="1200" b="1" u="none" strike="noStrike" dirty="0" err="1">
+                          <a:solidFill>
+                            <a:schemeClr val="accent1"/>
+                          </a:solidFill>
+                          <a:effectLst/>
+                        </a:rPr>
+                        <a:t>Conduit</a:t>
+                      </a:r>
+                      <a:r>
+                        <a:rPr lang="hu-HU" sz="1200" b="1" u="none" strike="noStrike" dirty="0">
+                          <a:solidFill>
+                            <a:schemeClr val="accent1"/>
+                          </a:solidFill>
+                          <a:effectLst/>
+                        </a:rPr>
+                        <a:t> Vizsgaremek Tesztesetek</a:t>
+                      </a:r>
+                      <a:endParaRPr lang="hu-HU" sz="1200" b="1" i="0" u="none" strike="noStrike" dirty="0">
+                        <a:solidFill>
+                          <a:schemeClr val="accent1"/>
+                        </a:solidFill>
+                        <a:effectLst/>
+                        <a:latin typeface="Calibri" panose="020F0502020204030204" pitchFamily="34" charset="0"/>
+                      </a:endParaRPr>
+                    </a:p>
+                  </a:txBody>
+                  <a:tcPr marL="7867" marR="7867" marT="7867" marB="0" anchor="ctr"/>
+                </a:tc>
+                <a:tc>
+                  <a:txBody>
+                    <a:bodyPr/>
+                    <a:lstStyle/>
+                    <a:p>
+                      <a:pPr algn="ctr" fontAlgn="b"/>
+                      <a:r>
+                        <a:rPr lang="hu-HU" sz="1200" b="1" u="none" strike="noStrike" dirty="0">
+                          <a:solidFill>
+                            <a:schemeClr val="accent1"/>
+                          </a:solidFill>
+                          <a:effectLst/>
+                        </a:rPr>
+                        <a:t>Fájlnév</a:t>
+                      </a:r>
+                      <a:endParaRPr lang="hu-HU" sz="1200" b="1" i="0" u="none" strike="noStrike" dirty="0">
+                        <a:solidFill>
+                          <a:schemeClr val="accent1"/>
+                        </a:solidFill>
+                        <a:effectLst/>
+                        <a:latin typeface="Calibri" panose="020F0502020204030204" pitchFamily="34" charset="0"/>
+                      </a:endParaRPr>
+                    </a:p>
+                  </a:txBody>
+                  <a:tcPr marL="7867" marR="7867" marT="7867" marB="0" anchor="ctr"/>
+                </a:tc>
+                <a:tc>
+                  <a:txBody>
+                    <a:bodyPr/>
+                    <a:lstStyle/>
+                    <a:p>
+                      <a:pPr algn="ctr" fontAlgn="b"/>
+                      <a:r>
+                        <a:rPr lang="hu-HU" sz="1200" b="1" u="none" strike="noStrike" dirty="0">
+                          <a:solidFill>
+                            <a:schemeClr val="accent1"/>
+                          </a:solidFill>
+                          <a:effectLst/>
+                        </a:rPr>
+                        <a:t>Teszt függvény</a:t>
+                      </a:r>
+                      <a:endParaRPr lang="hu-HU" sz="1200" b="1" i="0" u="none" strike="noStrike" dirty="0">
+                        <a:solidFill>
+                          <a:schemeClr val="accent1"/>
+                        </a:solidFill>
+                        <a:effectLst/>
+                        <a:latin typeface="Calibri" panose="020F0502020204030204" pitchFamily="34" charset="0"/>
+                      </a:endParaRPr>
+                    </a:p>
+                  </a:txBody>
+                  <a:tcPr marL="7867" marR="7867" marT="7867" marB="0" anchor="ctr"/>
+                </a:tc>
+                <a:extLst>
+                  <a:ext uri="{0D108BD9-81ED-4DB2-BD59-A6C34878D82A}">
+                    <a16:rowId xmlns:a16="http://schemas.microsoft.com/office/drawing/2014/main" val="754314689"/>
+                  </a:ext>
+                </a:extLst>
+              </a:tr>
+              <a:tr h="386203">
                 <a:tc>
                   <a:txBody>
                     <a:bodyPr/>
@@ -3968,24 +4067,17 @@
                     <a:p>
                       <a:pPr algn="l" fontAlgn="b"/>
                       <a:r>
-                        <a:rPr lang="hu-HU" sz="1200" u="none" strike="noStrike" dirty="0" err="1">
+                        <a:rPr lang="hu-HU" sz="1200" b="0" i="0" u="none" strike="noStrike" dirty="0">
+                          <a:solidFill>
+                            <a:schemeClr val="accent2">
+                              <a:lumMod val="75000"/>
+                            </a:schemeClr>
+                          </a:solidFill>
                           <a:effectLst/>
+                          <a:latin typeface="Calibri" panose="020F0502020204030204" pitchFamily="34" charset="0"/>
                         </a:rPr>
-                        <a:t>Conduit</a:t>
+                        <a:t>Manuális tesztesetek</a:t>
                       </a:r>
-                      <a:r>
-                        <a:rPr lang="hu-HU" sz="1200" u="none" strike="noStrike" dirty="0">
-                          <a:effectLst/>
-                        </a:rPr>
-                        <a:t> Vizsgaremek Tesztesetek</a:t>
-                      </a:r>
-                      <a:endParaRPr lang="hu-HU" sz="1200" b="1" i="0" u="none" strike="noStrike" dirty="0">
-                        <a:solidFill>
-                          <a:srgbClr val="4472C4"/>
-                        </a:solidFill>
-                        <a:effectLst/>
-                        <a:latin typeface="Calibri" panose="020F0502020204030204" pitchFamily="34" charset="0"/>
-                      </a:endParaRPr>
                     </a:p>
                   </a:txBody>
                   <a:tcPr marL="7867" marR="7867" marT="7867" marB="0" anchor="b"/>
@@ -3997,18 +4089,17 @@
                     <a:p>
                       <a:pPr algn="l" fontAlgn="b"/>
                       <a:r>
-                        <a:rPr lang="hu-HU" sz="1200" u="none" strike="noStrike" dirty="0">
+                        <a:rPr lang="en-US" sz="1200" b="0" i="0" u="none" strike="noStrike" dirty="0">
+                          <a:solidFill>
+                            <a:schemeClr val="accent2">
+                              <a:lumMod val="75000"/>
+                            </a:schemeClr>
+                          </a:solidFill>
                           <a:effectLst/>
+                          <a:latin typeface="Calibri" panose="020F0502020204030204" pitchFamily="34" charset="0"/>
                         </a:rPr>
-                        <a:t>Fájlnév</a:t>
+                        <a:t>0. Week HW Test Case.xls</a:t>
                       </a:r>
-                      <a:endParaRPr lang="hu-HU" sz="1200" b="1" i="0" u="none" strike="noStrike" dirty="0">
-                        <a:solidFill>
-                          <a:srgbClr val="4472C4"/>
-                        </a:solidFill>
-                        <a:effectLst/>
-                        <a:latin typeface="Calibri" panose="020F0502020204030204" pitchFamily="34" charset="0"/>
-                      </a:endParaRPr>
                     </a:p>
                   </a:txBody>
                   <a:tcPr marL="7867" marR="7867" marT="7867" marB="0" anchor="b"/>
@@ -4020,29 +4111,28 @@
                     <a:p>
                       <a:pPr algn="l" fontAlgn="b"/>
                       <a:r>
-                        <a:rPr lang="hu-HU" sz="1200" u="none" strike="noStrike">
+                        <a:rPr lang="hu-HU" sz="1200" b="0" i="0" u="none" strike="noStrike" dirty="0">
+                          <a:solidFill>
+                            <a:schemeClr val="accent2">
+                              <a:lumMod val="75000"/>
+                            </a:schemeClr>
+                          </a:solidFill>
                           <a:effectLst/>
+                          <a:latin typeface="Calibri" panose="020F0502020204030204" pitchFamily="34" charset="0"/>
                         </a:rPr>
-                        <a:t>Teszt függvény</a:t>
+                        <a:t>10 db manuális teszteset</a:t>
                       </a:r>
-                      <a:endParaRPr lang="hu-HU" sz="1200" b="1" i="0" u="none" strike="noStrike">
-                        <a:solidFill>
-                          <a:srgbClr val="4472C4"/>
-                        </a:solidFill>
-                        <a:effectLst/>
-                        <a:latin typeface="Calibri" panose="020F0502020204030204" pitchFamily="34" charset="0"/>
-                      </a:endParaRPr>
                     </a:p>
                   </a:txBody>
                   <a:tcPr marL="7867" marR="7867" marT="7867" marB="0" anchor="b"/>
                 </a:tc>
                 <a:extLst>
                   <a:ext uri="{0D108BD9-81ED-4DB2-BD59-A6C34878D82A}">
-                    <a16:rowId xmlns:a16="http://schemas.microsoft.com/office/drawing/2014/main" val="754314689"/>
+                    <a16:rowId xmlns:a16="http://schemas.microsoft.com/office/drawing/2014/main" val="255943057"/>
                   </a:ext>
                 </a:extLst>
               </a:tr>
-              <a:tr h="362612">
+              <a:tr h="386203">
                 <a:tc>
                   <a:txBody>
                     <a:bodyPr/>
@@ -4050,12 +4140,12 @@
                     <a:p>
                       <a:pPr algn="l" fontAlgn="b"/>
                       <a:r>
-                        <a:rPr lang="hu-HU" sz="1200" u="none" strike="noStrike">
+                        <a:rPr lang="hu-HU" sz="1200" u="none" strike="noStrike" dirty="0">
                           <a:effectLst/>
                         </a:rPr>
                         <a:t>Adatkezelési nyilatkozat használata</a:t>
                       </a:r>
-                      <a:endParaRPr lang="hu-HU" sz="1200" b="0" i="0" u="none" strike="noStrike">
+                      <a:endParaRPr lang="hu-HU" sz="1200" b="0" i="0" u="none" strike="noStrike" dirty="0">
                         <a:solidFill>
                           <a:srgbClr val="000000"/>
                         </a:solidFill>
@@ -4096,12 +4186,12 @@
                     <a:p>
                       <a:pPr algn="l" fontAlgn="b"/>
                       <a:r>
-                        <a:rPr lang="hu-HU" sz="1200" u="none" strike="noStrike">
+                        <a:rPr lang="hu-HU" sz="1200" u="none" strike="noStrike" dirty="0" err="1">
                           <a:effectLst/>
                         </a:rPr>
                         <a:t>test_decline_cookies</a:t>
                       </a:r>
-                      <a:endParaRPr lang="hu-HU" sz="1200" b="0" i="0" u="none" strike="noStrike">
+                      <a:endParaRPr lang="hu-HU" sz="1200" b="0" i="0" u="none" strike="noStrike" dirty="0">
                         <a:solidFill>
                           <a:srgbClr val="000000"/>
                         </a:solidFill>
@@ -4118,7 +4208,7 @@
                   </a:ext>
                 </a:extLst>
               </a:tr>
-              <a:tr h="362612">
+              <a:tr h="386203">
                 <a:tc>
                   <a:txBody>
                     <a:bodyPr/>
@@ -4126,12 +4216,12 @@
                     <a:p>
                       <a:pPr algn="l" fontAlgn="b"/>
                       <a:r>
-                        <a:rPr lang="hu-HU" sz="1200" u="none" strike="noStrike">
+                        <a:rPr lang="hu-HU" sz="1200" u="none" strike="noStrike" dirty="0">
                           <a:effectLst/>
                         </a:rPr>
                         <a:t>Regisztráció</a:t>
                       </a:r>
-                      <a:endParaRPr lang="hu-HU" sz="1200" b="0" i="0" u="none" strike="noStrike">
+                      <a:endParaRPr lang="hu-HU" sz="1200" b="0" i="0" u="none" strike="noStrike" dirty="0">
                         <a:solidFill>
                           <a:srgbClr val="000000"/>
                         </a:solidFill>
@@ -4194,7 +4284,7 @@
                   </a:ext>
                 </a:extLst>
               </a:tr>
-              <a:tr h="362612">
+              <a:tr h="386203">
                 <a:tc>
                   <a:txBody>
                     <a:bodyPr/>
@@ -4202,12 +4292,12 @@
                     <a:p>
                       <a:pPr algn="l" fontAlgn="b"/>
                       <a:r>
-                        <a:rPr lang="hu-HU" sz="1200" u="none" strike="noStrike">
+                        <a:rPr lang="hu-HU" sz="1200" u="none" strike="noStrike" dirty="0">
                           <a:effectLst/>
                         </a:rPr>
                         <a:t>Kijelentkezés</a:t>
                       </a:r>
-                      <a:endParaRPr lang="hu-HU" sz="1200" b="0" i="0" u="none" strike="noStrike">
+                      <a:endParaRPr lang="hu-HU" sz="1200" b="0" i="0" u="none" strike="noStrike" dirty="0">
                         <a:solidFill>
                           <a:srgbClr val="000000"/>
                         </a:solidFill>
@@ -4270,7 +4360,7 @@
                   </a:ext>
                 </a:extLst>
               </a:tr>
-              <a:tr h="362612">
+              <a:tr h="386203">
                 <a:tc>
                   <a:txBody>
                     <a:bodyPr/>
@@ -4278,12 +4368,12 @@
                     <a:p>
                       <a:pPr algn="l" fontAlgn="b"/>
                       <a:r>
-                        <a:rPr lang="hu-HU" sz="1200" u="none" strike="noStrike">
+                        <a:rPr lang="hu-HU" sz="1200" u="none" strike="noStrike" dirty="0">
                           <a:effectLst/>
                         </a:rPr>
                         <a:t>Bejelentkezés</a:t>
                       </a:r>
-                      <a:endParaRPr lang="hu-HU" sz="1200" b="0" i="0" u="none" strike="noStrike">
+                      <a:endParaRPr lang="hu-HU" sz="1200" b="0" i="0" u="none" strike="noStrike" dirty="0">
                         <a:solidFill>
                           <a:srgbClr val="000000"/>
                         </a:solidFill>
@@ -4346,7 +4436,7 @@
                   </a:ext>
                 </a:extLst>
               </a:tr>
-              <a:tr h="362612">
+              <a:tr h="386203">
                 <a:tc>
                   <a:txBody>
                     <a:bodyPr/>
@@ -4354,12 +4444,12 @@
                     <a:p>
                       <a:pPr algn="l" fontAlgn="b"/>
                       <a:r>
-                        <a:rPr lang="hu-HU" sz="1200" u="none" strike="noStrike">
+                        <a:rPr lang="hu-HU" sz="1200" u="none" strike="noStrike" dirty="0">
                           <a:effectLst/>
                         </a:rPr>
                         <a:t>Adatok listázása</a:t>
                       </a:r>
-                      <a:endParaRPr lang="hu-HU" sz="1200" b="0" i="0" u="none" strike="noStrike">
+                      <a:endParaRPr lang="hu-HU" sz="1200" b="0" i="0" u="none" strike="noStrike" dirty="0">
                         <a:solidFill>
                           <a:srgbClr val="000000"/>
                         </a:solidFill>
@@ -4377,12 +4467,12 @@
                     <a:p>
                       <a:pPr algn="l" fontAlgn="b"/>
                       <a:r>
-                        <a:rPr lang="en-US" sz="1200" u="none" strike="noStrike">
+                        <a:rPr lang="en-US" sz="1200" u="none" strike="noStrike" dirty="0">
                           <a:effectLst/>
                         </a:rPr>
                         <a:t>test_005_list_articles.py</a:t>
                       </a:r>
-                      <a:endParaRPr lang="en-US" sz="1200" b="0" i="0" u="none" strike="noStrike">
+                      <a:endParaRPr lang="en-US" sz="1200" b="0" i="0" u="none" strike="noStrike" dirty="0">
                         <a:solidFill>
                           <a:srgbClr val="000000"/>
                         </a:solidFill>
@@ -4422,7 +4512,7 @@
                   </a:ext>
                 </a:extLst>
               </a:tr>
-              <a:tr h="362612">
+              <a:tr h="386203">
                 <a:tc>
                   <a:txBody>
                     <a:bodyPr/>
@@ -4453,12 +4543,12 @@
                     <a:p>
                       <a:pPr algn="l" fontAlgn="b"/>
                       <a:r>
-                        <a:rPr lang="hu-HU" sz="1200" u="none" strike="noStrike">
+                        <a:rPr lang="hu-HU" sz="1200" u="none" strike="noStrike" dirty="0">
                           <a:effectLst/>
                         </a:rPr>
                         <a:t>test_006_paginate.py</a:t>
                       </a:r>
-                      <a:endParaRPr lang="hu-HU" sz="1200" b="0" i="0" u="none" strike="noStrike">
+                      <a:endParaRPr lang="hu-HU" sz="1200" b="0" i="0" u="none" strike="noStrike" dirty="0">
                         <a:solidFill>
                           <a:srgbClr val="000000"/>
                         </a:solidFill>
@@ -4498,7 +4588,7 @@
                   </a:ext>
                 </a:extLst>
               </a:tr>
-              <a:tr h="362612">
+              <a:tr h="386203">
                 <a:tc>
                   <a:txBody>
                     <a:bodyPr/>
@@ -4506,12 +4596,12 @@
                     <a:p>
                       <a:pPr algn="l" fontAlgn="b"/>
                       <a:r>
-                        <a:rPr lang="hu-HU" sz="1200" u="none" strike="noStrike">
+                        <a:rPr lang="hu-HU" sz="1200" u="none" strike="noStrike" dirty="0">
                           <a:effectLst/>
                         </a:rPr>
                         <a:t>Új adat bevitel</a:t>
                       </a:r>
-                      <a:endParaRPr lang="hu-HU" sz="1200" b="0" i="0" u="none" strike="noStrike">
+                      <a:endParaRPr lang="hu-HU" sz="1200" b="0" i="0" u="none" strike="noStrike" dirty="0">
                         <a:solidFill>
                           <a:srgbClr val="000000"/>
                         </a:solidFill>
@@ -4529,12 +4619,12 @@
                     <a:p>
                       <a:pPr algn="l" fontAlgn="b"/>
                       <a:r>
-                        <a:rPr lang="en-US" sz="1200" u="none" strike="noStrike">
+                        <a:rPr lang="en-US" sz="1200" u="none" strike="noStrike" dirty="0">
                           <a:effectLst/>
                         </a:rPr>
                         <a:t>test_007_new_article.py</a:t>
                       </a:r>
-                      <a:endParaRPr lang="en-US" sz="1200" b="0" i="0" u="none" strike="noStrike">
+                      <a:endParaRPr lang="en-US" sz="1200" b="0" i="0" u="none" strike="noStrike" dirty="0">
                         <a:solidFill>
                           <a:srgbClr val="000000"/>
                         </a:solidFill>
@@ -4574,7 +4664,7 @@
                   </a:ext>
                 </a:extLst>
               </a:tr>
-              <a:tr h="362612">
+              <a:tr h="386203">
                 <a:tc>
                   <a:txBody>
                     <a:bodyPr/>
@@ -4582,12 +4672,12 @@
                     <a:p>
                       <a:pPr algn="l" fontAlgn="b"/>
                       <a:r>
-                        <a:rPr lang="hu-HU" sz="1200" u="none" strike="noStrike">
+                        <a:rPr lang="hu-HU" sz="1200" u="none" strike="noStrike" dirty="0">
                           <a:effectLst/>
                         </a:rPr>
                         <a:t>Meglévő adat módosítás</a:t>
                       </a:r>
-                      <a:endParaRPr lang="hu-HU" sz="1200" b="0" i="0" u="none" strike="noStrike">
+                      <a:endParaRPr lang="hu-HU" sz="1200" b="0" i="0" u="none" strike="noStrike" dirty="0">
                         <a:solidFill>
                           <a:srgbClr val="000000"/>
                         </a:solidFill>
@@ -4650,7 +4740,7 @@
                   </a:ext>
                 </a:extLst>
               </a:tr>
-              <a:tr h="362612">
+              <a:tr h="386203">
                 <a:tc>
                   <a:txBody>
                     <a:bodyPr/>
@@ -4658,12 +4748,12 @@
                     <a:p>
                       <a:pPr algn="l" fontAlgn="b"/>
                       <a:r>
-                        <a:rPr lang="hu-HU" sz="1200" u="none" strike="noStrike">
+                        <a:rPr lang="hu-HU" sz="1200" u="none" strike="noStrike" dirty="0">
                           <a:effectLst/>
                         </a:rPr>
                         <a:t>Adat vagy adatok törlése</a:t>
                       </a:r>
-                      <a:endParaRPr lang="hu-HU" sz="1200" b="0" i="0" u="none" strike="noStrike">
+                      <a:endParaRPr lang="hu-HU" sz="1200" b="0" i="0" u="none" strike="noStrike" dirty="0">
                         <a:solidFill>
                           <a:srgbClr val="000000"/>
                         </a:solidFill>
@@ -4681,12 +4771,12 @@
                     <a:p>
                       <a:pPr algn="l" fontAlgn="b"/>
                       <a:r>
-                        <a:rPr lang="en-US" sz="1200" u="none" strike="noStrike">
+                        <a:rPr lang="en-US" sz="1200" u="none" strike="noStrike" dirty="0">
                           <a:effectLst/>
                         </a:rPr>
                         <a:t>test_009_delete_article.py</a:t>
                       </a:r>
-                      <a:endParaRPr lang="en-US" sz="1200" b="0" i="0" u="none" strike="noStrike">
+                      <a:endParaRPr lang="en-US" sz="1200" b="0" i="0" u="none" strike="noStrike" dirty="0">
                         <a:solidFill>
                           <a:srgbClr val="000000"/>
                         </a:solidFill>
@@ -4726,7 +4816,7 @@
                   </a:ext>
                 </a:extLst>
               </a:tr>
-              <a:tr h="362612">
+              <a:tr h="397935">
                 <a:tc>
                   <a:txBody>
                     <a:bodyPr/>
@@ -4734,12 +4824,12 @@
                     <a:p>
                       <a:pPr algn="l" fontAlgn="b"/>
                       <a:r>
-                        <a:rPr lang="hu-HU" sz="1200" u="none" strike="noStrike">
+                        <a:rPr lang="hu-HU" sz="1200" u="none" strike="noStrike" dirty="0">
                           <a:effectLst/>
                         </a:rPr>
                         <a:t>Ismételt és sorozatos adatbevitel adatforrásból</a:t>
                       </a:r>
-                      <a:endParaRPr lang="hu-HU" sz="1200" b="0" i="0" u="none" strike="noStrike">
+                      <a:endParaRPr lang="hu-HU" sz="1200" b="0" i="0" u="none" strike="noStrike" dirty="0">
                         <a:solidFill>
                           <a:srgbClr val="000000"/>
                         </a:solidFill>
@@ -4802,7 +4892,7 @@
                   </a:ext>
                 </a:extLst>
               </a:tr>
-              <a:tr h="362612">
+              <a:tr h="386203">
                 <a:tc>
                   <a:txBody>
                     <a:bodyPr/>
@@ -4810,12 +4900,12 @@
                     <a:p>
                       <a:pPr algn="l" fontAlgn="b"/>
                       <a:r>
-                        <a:rPr lang="hu-HU" sz="1200" u="none" strike="noStrike">
+                        <a:rPr lang="hu-HU" sz="1200" u="none" strike="noStrike" dirty="0">
                           <a:effectLst/>
                         </a:rPr>
                         <a:t>Adatok lementése felületről</a:t>
                       </a:r>
-                      <a:endParaRPr lang="hu-HU" sz="1200" b="0" i="0" u="none" strike="noStrike">
+                      <a:endParaRPr lang="hu-HU" sz="1200" b="0" i="0" u="none" strike="noStrike" dirty="0">
                         <a:solidFill>
                           <a:srgbClr val="000000"/>
                         </a:solidFill>
@@ -4833,12 +4923,12 @@
                     <a:p>
                       <a:pPr algn="l" fontAlgn="b"/>
                       <a:r>
-                        <a:rPr lang="en-US" sz="1200" u="none" strike="noStrike">
+                        <a:rPr lang="en-US" sz="1200" u="none" strike="noStrike" dirty="0">
                           <a:effectLst/>
                         </a:rPr>
                         <a:t>test_011_writing_to_file.py</a:t>
                       </a:r>
-                      <a:endParaRPr lang="en-US" sz="1200" b="0" i="0" u="none" strike="noStrike">
+                      <a:endParaRPr lang="en-US" sz="1200" b="0" i="0" u="none" strike="noStrike" dirty="0">
                         <a:solidFill>
                           <a:srgbClr val="000000"/>
                         </a:solidFill>
@@ -5057,8 +5147,8 @@
         </p:blipFill>
         <p:spPr>
           <a:xfrm>
-            <a:off x="0" y="1825625"/>
-            <a:ext cx="6019800" cy="4351338"/>
+            <a:off x="0" y="1825624"/>
+            <a:ext cx="6172200" cy="5032375"/>
           </a:xfrm>
         </p:spPr>
       </p:pic>
@@ -5086,8 +5176,8 @@
         </p:blipFill>
         <p:spPr>
           <a:xfrm>
-            <a:off x="6172200" y="1825625"/>
-            <a:ext cx="6019800" cy="4351338"/>
+            <a:off x="6172200" y="1825624"/>
+            <a:ext cx="6019800" cy="5032375"/>
           </a:xfrm>
         </p:spPr>
       </p:pic>
